--- a/docs/PSI_MDS_PL1-H_BrunoSilva.pptx
+++ b/docs/PSI_MDS_PL1-H_BrunoSilva.pptx
@@ -445,7 +445,7 @@
             <a:fld id="{1449AA12-8195-4182-A7AC-2E7E59DFBDAF}" type="datetimeFigureOut">
               <a:rPr lang="en-US" smtClean="0"/>
               <a:pPr algn="r"/>
-              <a:t>6/2/2022</a:t>
+              <a:t>6/3/2022</a:t>
             </a:fld>
             <a:endParaRPr lang="en-US"/>
           </a:p>
@@ -661,7 +661,7 @@
           <a:p>
             <a:fld id="{1449AA12-8195-4182-A7AC-2E7E59DFBDAF}" type="datetimeFigureOut">
               <a:rPr lang="en-US" smtClean="0"/>
-              <a:t>6/2/2022</a:t>
+              <a:t>6/3/2022</a:t>
             </a:fld>
             <a:endParaRPr lang="en-US"/>
           </a:p>
@@ -1033,7 +1033,7 @@
           <a:p>
             <a:fld id="{1449AA12-8195-4182-A7AC-2E7E59DFBDAF}" type="datetimeFigureOut">
               <a:rPr lang="en-US" smtClean="0"/>
-              <a:t>6/2/2022</a:t>
+              <a:t>6/3/2022</a:t>
             </a:fld>
             <a:endParaRPr lang="en-US"/>
           </a:p>
@@ -1395,7 +1395,7 @@
           <a:p>
             <a:fld id="{1449AA12-8195-4182-A7AC-2E7E59DFBDAF}" type="datetimeFigureOut">
               <a:rPr lang="en-US" smtClean="0"/>
-              <a:t>6/2/2022</a:t>
+              <a:t>6/3/2022</a:t>
             </a:fld>
             <a:endParaRPr lang="en-US"/>
           </a:p>
@@ -1835,7 +1835,7 @@
           <a:p>
             <a:fld id="{1449AA12-8195-4182-A7AC-2E7E59DFBDAF}" type="datetimeFigureOut">
               <a:rPr lang="en-US" smtClean="0"/>
-              <a:t>6/2/2022</a:t>
+              <a:t>6/3/2022</a:t>
             </a:fld>
             <a:endParaRPr lang="en-US"/>
           </a:p>
@@ -2275,7 +2275,7 @@
           <a:p>
             <a:fld id="{1449AA12-8195-4182-A7AC-2E7E59DFBDAF}" type="datetimeFigureOut">
               <a:rPr lang="en-US" smtClean="0"/>
-              <a:t>6/2/2022</a:t>
+              <a:t>6/3/2022</a:t>
             </a:fld>
             <a:endParaRPr lang="en-US"/>
           </a:p>
@@ -2883,7 +2883,7 @@
           <a:p>
             <a:fld id="{1449AA12-8195-4182-A7AC-2E7E59DFBDAF}" type="datetimeFigureOut">
               <a:rPr lang="en-US" smtClean="0"/>
-              <a:t>6/2/2022</a:t>
+              <a:t>6/3/2022</a:t>
             </a:fld>
             <a:endParaRPr lang="en-US"/>
           </a:p>
@@ -3188,7 +3188,7 @@
           <a:p>
             <a:fld id="{1449AA12-8195-4182-A7AC-2E7E59DFBDAF}" type="datetimeFigureOut">
               <a:rPr lang="en-US" smtClean="0"/>
-              <a:t>6/2/2022</a:t>
+              <a:t>6/3/2022</a:t>
             </a:fld>
             <a:endParaRPr lang="en-US"/>
           </a:p>
@@ -3465,7 +3465,7 @@
           <a:p>
             <a:fld id="{1449AA12-8195-4182-A7AC-2E7E59DFBDAF}" type="datetimeFigureOut">
               <a:rPr lang="en-US" smtClean="0"/>
-              <a:t>6/2/2022</a:t>
+              <a:t>6/3/2022</a:t>
             </a:fld>
             <a:endParaRPr lang="en-US"/>
           </a:p>
@@ -3942,7 +3942,7 @@
           <a:p>
             <a:fld id="{1449AA12-8195-4182-A7AC-2E7E59DFBDAF}" type="datetimeFigureOut">
               <a:rPr lang="en-US" smtClean="0"/>
-              <a:t>6/2/2022</a:t>
+              <a:t>6/3/2022</a:t>
             </a:fld>
             <a:endParaRPr lang="en-US"/>
           </a:p>
@@ -4397,7 +4397,7 @@
           <a:p>
             <a:fld id="{1449AA12-8195-4182-A7AC-2E7E59DFBDAF}" type="datetimeFigureOut">
               <a:rPr lang="en-US" smtClean="0"/>
-              <a:t>6/2/2022</a:t>
+              <a:t>6/3/2022</a:t>
             </a:fld>
             <a:endParaRPr lang="en-US"/>
           </a:p>
@@ -4803,7 +4803,7 @@
             <a:fld id="{1449AA12-8195-4182-A7AC-2E7E59DFBDAF}" type="datetimeFigureOut">
               <a:rPr lang="en-US" smtClean="0"/>
               <a:pPr/>
-              <a:t>6/2/2022</a:t>
+              <a:t>6/3/2022</a:t>
             </a:fld>
             <a:endParaRPr lang="en-US"/>
           </a:p>
@@ -5415,7 +5415,7 @@
         </p:spPr>
         <p:txBody>
           <a:bodyPr>
-            <a:normAutofit/>
+            <a:normAutofit fontScale="90000"/>
           </a:bodyPr>
           <a:lstStyle/>
           <a:p>
@@ -5425,6 +5425,19 @@
                 <a:cs typeface="+mj-lt"/>
               </a:rPr>
               <a:t>Metodologias de Desenvolvimento de Software</a:t>
+            </a:r>
+            <a:br>
+              <a:rPr lang="pt-PT" b="0" dirty="0">
+                <a:ea typeface="+mj-lt"/>
+                <a:cs typeface="+mj-lt"/>
+              </a:rPr>
+            </a:br>
+            <a:r>
+              <a:rPr lang="pt-PT" b="0" dirty="0">
+                <a:ea typeface="+mj-lt"/>
+                <a:cs typeface="+mj-lt"/>
+              </a:rPr>
+              <a:t>(PWS)</a:t>
             </a:r>
             <a:endParaRPr lang="pt-PT" b="0" dirty="0"/>
           </a:p>
